--- a/Slides-PPT/Exam 1 - Review A.pptx
+++ b/Slides-PPT/Exam 1 - Review A.pptx
@@ -223,7 +223,7 @@
           <a:p>
             <a:fld id="{43386AF1-EF24-4659-9089-2771856A9EA2}" type="datetimeFigureOut">
               <a:rPr lang="en-US" smtClean="0"/>
-              <a:t>10/12/2021</a:t>
+              <a:t>2/18/2022</a:t>
             </a:fld>
             <a:endParaRPr lang="en-US"/>
           </a:p>
@@ -4431,7 +4431,7 @@
           <a:p>
             <a:fld id="{F8616885-9ED8-4298-9149-C5A410E7F61A}" type="datetime1">
               <a:rPr lang="en-US" smtClean="0"/>
-              <a:t>10/12/2021</a:t>
+              <a:t>2/18/2022</a:t>
             </a:fld>
             <a:endParaRPr lang="en-US"/>
           </a:p>
@@ -4601,7 +4601,7 @@
           <a:p>
             <a:fld id="{46647952-6535-4065-B4F6-C94B3D00772F}" type="datetime1">
               <a:rPr lang="en-US" smtClean="0"/>
-              <a:t>10/12/2021</a:t>
+              <a:t>2/18/2022</a:t>
             </a:fld>
             <a:endParaRPr lang="en-US"/>
           </a:p>
@@ -4781,7 +4781,7 @@
           <a:p>
             <a:fld id="{63870D39-F97D-4ECC-909C-35255E9A37F7}" type="datetime1">
               <a:rPr lang="en-US" smtClean="0"/>
-              <a:t>10/12/2021</a:t>
+              <a:t>2/18/2022</a:t>
             </a:fld>
             <a:endParaRPr lang="en-US"/>
           </a:p>
@@ -4973,7 +4973,7 @@
           <a:p>
             <a:fld id="{38C9C2D7-406E-45EE-9F57-B83131B49240}" type="datetimeFigureOut">
               <a:rPr lang="en-US" smtClean="0"/>
-              <a:t>10/12/2021</a:t>
+              <a:t>2/18/2022</a:t>
             </a:fld>
             <a:endParaRPr lang="en-US"/>
           </a:p>
@@ -5143,7 +5143,7 @@
           <a:p>
             <a:fld id="{38C9C2D7-406E-45EE-9F57-B83131B49240}" type="datetimeFigureOut">
               <a:rPr lang="en-US" smtClean="0"/>
-              <a:t>10/12/2021</a:t>
+              <a:t>2/18/2022</a:t>
             </a:fld>
             <a:endParaRPr lang="en-US"/>
           </a:p>
@@ -5389,7 +5389,7 @@
           <a:p>
             <a:fld id="{38C9C2D7-406E-45EE-9F57-B83131B49240}" type="datetimeFigureOut">
               <a:rPr lang="en-US" smtClean="0"/>
-              <a:t>10/12/2021</a:t>
+              <a:t>2/18/2022</a:t>
             </a:fld>
             <a:endParaRPr lang="en-US"/>
           </a:p>
@@ -5621,7 +5621,7 @@
           <a:p>
             <a:fld id="{38C9C2D7-406E-45EE-9F57-B83131B49240}" type="datetimeFigureOut">
               <a:rPr lang="en-US" smtClean="0"/>
-              <a:t>10/12/2021</a:t>
+              <a:t>2/18/2022</a:t>
             </a:fld>
             <a:endParaRPr lang="en-US"/>
           </a:p>
@@ -5988,7 +5988,7 @@
           <a:p>
             <a:fld id="{38C9C2D7-406E-45EE-9F57-B83131B49240}" type="datetimeFigureOut">
               <a:rPr lang="en-US" smtClean="0"/>
-              <a:t>10/12/2021</a:t>
+              <a:t>2/18/2022</a:t>
             </a:fld>
             <a:endParaRPr lang="en-US"/>
           </a:p>
@@ -6106,7 +6106,7 @@
           <a:p>
             <a:fld id="{38C9C2D7-406E-45EE-9F57-B83131B49240}" type="datetimeFigureOut">
               <a:rPr lang="en-US" smtClean="0"/>
-              <a:t>10/12/2021</a:t>
+              <a:t>2/18/2022</a:t>
             </a:fld>
             <a:endParaRPr lang="en-US"/>
           </a:p>
@@ -6201,7 +6201,7 @@
           <a:p>
             <a:fld id="{38C9C2D7-406E-45EE-9F57-B83131B49240}" type="datetimeFigureOut">
               <a:rPr lang="en-US" smtClean="0"/>
-              <a:t>10/12/2021</a:t>
+              <a:t>2/18/2022</a:t>
             </a:fld>
             <a:endParaRPr lang="en-US"/>
           </a:p>
@@ -6478,7 +6478,7 @@
           <a:p>
             <a:fld id="{38C9C2D7-406E-45EE-9F57-B83131B49240}" type="datetimeFigureOut">
               <a:rPr lang="en-US" smtClean="0"/>
-              <a:t>10/12/2021</a:t>
+              <a:t>2/18/2022</a:t>
             </a:fld>
             <a:endParaRPr lang="en-US"/>
           </a:p>
@@ -6648,7 +6648,7 @@
           <a:p>
             <a:fld id="{7325EFF0-82F5-4880-81B9-BC73A963ECC3}" type="datetime1">
               <a:rPr lang="en-US" smtClean="0"/>
-              <a:t>10/12/2021</a:t>
+              <a:t>2/18/2022</a:t>
             </a:fld>
             <a:endParaRPr lang="en-US"/>
           </a:p>
@@ -6905,7 +6905,7 @@
           <a:p>
             <a:fld id="{38C9C2D7-406E-45EE-9F57-B83131B49240}" type="datetimeFigureOut">
               <a:rPr lang="en-US" smtClean="0"/>
-              <a:t>10/12/2021</a:t>
+              <a:t>2/18/2022</a:t>
             </a:fld>
             <a:endParaRPr lang="en-US"/>
           </a:p>
@@ -7075,7 +7075,7 @@
           <a:p>
             <a:fld id="{38C9C2D7-406E-45EE-9F57-B83131B49240}" type="datetimeFigureOut">
               <a:rPr lang="en-US" smtClean="0"/>
-              <a:t>10/12/2021</a:t>
+              <a:t>2/18/2022</a:t>
             </a:fld>
             <a:endParaRPr lang="en-US"/>
           </a:p>
@@ -7255,7 +7255,7 @@
           <a:p>
             <a:fld id="{38C9C2D7-406E-45EE-9F57-B83131B49240}" type="datetimeFigureOut">
               <a:rPr lang="en-US" smtClean="0"/>
-              <a:t>10/12/2021</a:t>
+              <a:t>2/18/2022</a:t>
             </a:fld>
             <a:endParaRPr lang="en-US"/>
           </a:p>
@@ -7501,7 +7501,7 @@
           <a:p>
             <a:fld id="{5A946811-681C-4AC5-84B7-A52FB525DDA0}" type="datetime1">
               <a:rPr lang="en-US" smtClean="0"/>
-              <a:t>10/12/2021</a:t>
+              <a:t>2/18/2022</a:t>
             </a:fld>
             <a:endParaRPr lang="en-US"/>
           </a:p>
@@ -7733,7 +7733,7 @@
           <a:p>
             <a:fld id="{B26718EC-8AAB-4CFD-80CE-1D0FB821064C}" type="datetime1">
               <a:rPr lang="en-US" smtClean="0"/>
-              <a:t>10/12/2021</a:t>
+              <a:t>2/18/2022</a:t>
             </a:fld>
             <a:endParaRPr lang="en-US"/>
           </a:p>
@@ -8100,7 +8100,7 @@
           <a:p>
             <a:fld id="{B9FC400D-05DF-4711-8592-640F86665B5F}" type="datetime1">
               <a:rPr lang="en-US" smtClean="0"/>
-              <a:t>10/12/2021</a:t>
+              <a:t>2/18/2022</a:t>
             </a:fld>
             <a:endParaRPr lang="en-US"/>
           </a:p>
@@ -8218,7 +8218,7 @@
           <a:p>
             <a:fld id="{21DCA921-A295-445C-9DF4-D32E11171EBC}" type="datetime1">
               <a:rPr lang="en-US" smtClean="0"/>
-              <a:t>10/12/2021</a:t>
+              <a:t>2/18/2022</a:t>
             </a:fld>
             <a:endParaRPr lang="en-US"/>
           </a:p>
@@ -8313,7 +8313,7 @@
           <a:p>
             <a:fld id="{410F1947-2C73-49DA-BF00-06FEB90FBFE0}" type="datetime1">
               <a:rPr lang="en-US" smtClean="0"/>
-              <a:t>10/12/2021</a:t>
+              <a:t>2/18/2022</a:t>
             </a:fld>
             <a:endParaRPr lang="en-US"/>
           </a:p>
@@ -8590,7 +8590,7 @@
           <a:p>
             <a:fld id="{7909FA88-D630-40A8-A7C1-451FFA95718D}" type="datetime1">
               <a:rPr lang="en-US" smtClean="0"/>
-              <a:t>10/12/2021</a:t>
+              <a:t>2/18/2022</a:t>
             </a:fld>
             <a:endParaRPr lang="en-US"/>
           </a:p>
@@ -8847,7 +8847,7 @@
           <a:p>
             <a:fld id="{0B22107A-0A76-4A69-98CE-85E509F6FEC6}" type="datetime1">
               <a:rPr lang="en-US" smtClean="0"/>
-              <a:t>10/12/2021</a:t>
+              <a:t>2/18/2022</a:t>
             </a:fld>
             <a:endParaRPr lang="en-US"/>
           </a:p>
@@ -9060,7 +9060,7 @@
           <a:p>
             <a:fld id="{BFC3CE7D-A49F-42F1-B54B-0205BF41E480}" type="datetime1">
               <a:rPr lang="en-US" smtClean="0"/>
-              <a:t>10/12/2021</a:t>
+              <a:t>2/18/2022</a:t>
             </a:fld>
             <a:endParaRPr lang="en-US"/>
           </a:p>
@@ -9601,7 +9601,7 @@
           <a:p>
             <a:fld id="{38C9C2D7-406E-45EE-9F57-B83131B49240}" type="datetimeFigureOut">
               <a:rPr lang="en-US" smtClean="0"/>
-              <a:t>10/12/2021</a:t>
+              <a:t>2/18/2022</a:t>
             </a:fld>
             <a:endParaRPr lang="en-US"/>
           </a:p>
@@ -13620,7 +13620,7 @@
             </a:ln>
             <a:extLst>
               <a:ext uri="{909E8E84-426E-40dd-AFC4-6F175D3DCCD1}">
-                <a14:hiddenFill xmlns:a14="http://schemas.microsoft.com/office/drawing/2010/main" xmlns="">
+                <a14:hiddenFill xmlns="" xmlns:a14="http://schemas.microsoft.com/office/drawing/2010/main">
                   <a:noFill/>
                 </a14:hiddenFill>
               </a:ext>
@@ -13662,7 +13662,7 @@
             </a:ln>
             <a:extLst>
               <a:ext uri="{909E8E84-426E-40dd-AFC4-6F175D3DCCD1}">
-                <a14:hiddenFill xmlns:a14="http://schemas.microsoft.com/office/drawing/2010/main" xmlns="">
+                <a14:hiddenFill xmlns="" xmlns:a14="http://schemas.microsoft.com/office/drawing/2010/main">
                   <a:noFill/>
                 </a14:hiddenFill>
               </a:ext>
@@ -14026,7 +14026,7 @@
             </a:ln>
             <a:extLst>
               <a:ext uri="{909E8E84-426E-40dd-AFC4-6F175D3DCCD1}">
-                <a14:hiddenFill xmlns:a14="http://schemas.microsoft.com/office/drawing/2010/main" xmlns="">
+                <a14:hiddenFill xmlns="" xmlns:a14="http://schemas.microsoft.com/office/drawing/2010/main">
                   <a:noFill/>
                 </a14:hiddenFill>
               </a:ext>
@@ -14071,7 +14071,7 @@
             </a:ln>
             <a:extLst>
               <a:ext uri="{909E8E84-426E-40dd-AFC4-6F175D3DCCD1}">
-                <a14:hiddenFill xmlns:a14="http://schemas.microsoft.com/office/drawing/2010/main" xmlns="">
+                <a14:hiddenFill xmlns="" xmlns:a14="http://schemas.microsoft.com/office/drawing/2010/main">
                   <a:noFill/>
                 </a14:hiddenFill>
               </a:ext>
@@ -14116,7 +14116,7 @@
             </a:ln>
             <a:extLst>
               <a:ext uri="{909E8E84-426E-40dd-AFC4-6F175D3DCCD1}">
-                <a14:hiddenFill xmlns:a14="http://schemas.microsoft.com/office/drawing/2010/main" xmlns="">
+                <a14:hiddenFill xmlns="" xmlns:a14="http://schemas.microsoft.com/office/drawing/2010/main">
                   <a:noFill/>
                 </a14:hiddenFill>
               </a:ext>
@@ -14160,7 +14160,7 @@
             </a:ln>
             <a:extLst>
               <a:ext uri="{909E8E84-426E-40dd-AFC4-6F175D3DCCD1}">
-                <a14:hiddenFill xmlns:a14="http://schemas.microsoft.com/office/drawing/2010/main" xmlns="">
+                <a14:hiddenFill xmlns="" xmlns:a14="http://schemas.microsoft.com/office/drawing/2010/main">
                   <a:noFill/>
                 </a14:hiddenFill>
               </a:ext>
@@ -15959,7 +15959,34 @@
                 </a:solidFill>
                 <a:latin typeface="Consolas" panose="020B0609020204030204" pitchFamily="49" charset="0"/>
               </a:rPr>
-              <a:t>Write pseudocode or C++ code to pop an element from a Queue implemented as an array.</a:t>
+              <a:t>Write pseudocode or C++ code to pop an element from a Circular Queue implemented as an array.</a:t>
+            </a:r>
+          </a:p>
+          <a:p>
+            <a:pPr marL="285750" indent="-285750">
+              <a:buFont typeface="Arial" panose="020B0604020202020204" pitchFamily="34" charset="0"/>
+              <a:buChar char="•"/>
+            </a:pPr>
+            <a:endParaRPr lang="en-US" sz="1600" dirty="0">
+              <a:solidFill>
+                <a:srgbClr val="0081E2"/>
+              </a:solidFill>
+              <a:latin typeface="Consolas" panose="020B0609020204030204" pitchFamily="49" charset="0"/>
+            </a:endParaRPr>
+          </a:p>
+          <a:p>
+            <a:pPr marL="285750" indent="-285750">
+              <a:buFont typeface="Arial" panose="020B0604020202020204" pitchFamily="34" charset="0"/>
+              <a:buChar char="•"/>
+            </a:pPr>
+            <a:r>
+              <a:rPr lang="en-US" sz="1600" dirty="0">
+                <a:solidFill>
+                  <a:srgbClr val="0081E2"/>
+                </a:solidFill>
+                <a:latin typeface="Consolas" panose="020B0609020204030204" pitchFamily="49" charset="0"/>
+              </a:rPr>
+              <a:t>Design a Stack data structure that supports push, pop and min operations in O(1) time.</a:t>
             </a:r>
           </a:p>
           <a:p>
@@ -16537,41 +16564,7 @@
                 <a:ea typeface="+mn-ea"/>
                 <a:cs typeface="+mn-cs"/>
               </a:rPr>
-              <a:t>October 14</a:t>
-            </a:r>
-            <a:r>
-              <a:rPr kumimoji="0" lang="en-US" sz="2400" b="0" i="0" u="none" strike="noStrike" kern="1200" cap="none" spc="0" normalizeH="0" baseline="0" noProof="0" dirty="0">
-                <a:ln>
-                  <a:noFill/>
-                </a:ln>
-                <a:solidFill>
-                  <a:srgbClr val="0081E2"/>
-                </a:solidFill>
-                <a:effectLst/>
-                <a:uLnTx/>
-                <a:uFillTx/>
-                <a:latin typeface="Gotham Bold" pitchFamily="50" charset="0"/>
-                <a:ea typeface="+mn-ea"/>
-                <a:cs typeface="+mn-cs"/>
-              </a:rPr>
-              <a:t>, </a:t>
-            </a:r>
-            <a:r>
-              <a:rPr kumimoji="0" lang="en-US" sz="2400" b="0" i="0" u="none" strike="noStrike" kern="1200" cap="none" spc="0" normalizeH="0" baseline="0" noProof="0" dirty="0">
-                <a:ln>
-                  <a:noFill/>
-                </a:ln>
-                <a:solidFill>
-                  <a:srgbClr val="EB6E19"/>
-                </a:solidFill>
-                <a:effectLst/>
-                <a:uLnTx/>
-                <a:uFillTx/>
-                <a:latin typeface="Gotham Bold" pitchFamily="50" charset="0"/>
-                <a:ea typeface="+mn-ea"/>
-                <a:cs typeface="+mn-cs"/>
-              </a:rPr>
-              <a:t>1:00 - 5:30 pm EST </a:t>
+              <a:t>Feb 21 (3-10 pm, Start by 8 pm)</a:t>
             </a:r>
           </a:p>
           <a:p>
@@ -16598,70 +16591,6 @@
                   <a:noFill/>
                 </a:ln>
                 <a:solidFill>
-                  <a:srgbClr val="00DA63"/>
-                </a:solidFill>
-                <a:effectLst/>
-                <a:uLnTx/>
-                <a:uFillTx/>
-                <a:latin typeface="Gotham Bold" pitchFamily="50" charset="0"/>
-                <a:ea typeface="+mn-ea"/>
-                <a:cs typeface="+mn-cs"/>
-              </a:rPr>
-              <a:t>Start by 3:30 pm EST or lose time</a:t>
-            </a:r>
-          </a:p>
-          <a:p>
-            <a:pPr marL="1005840" marR="0" lvl="2" indent="-365760" algn="l" defTabSz="914400" rtl="0" eaLnBrk="1" fontAlgn="auto" latinLnBrk="0" hangingPunct="1">
-              <a:lnSpc>
-                <a:spcPct val="150000"/>
-              </a:lnSpc>
-              <a:spcBef>
-                <a:spcPts val="0"/>
-              </a:spcBef>
-              <a:spcAft>
-                <a:spcPts val="0"/>
-              </a:spcAft>
-              <a:buClrTx/>
-              <a:buSzTx/>
-              <a:buFont typeface="Courier New" panose="02070309020205020404" pitchFamily="49" charset="0"/>
-              <a:buChar char="o"/>
-              <a:tabLst/>
-              <a:defRPr/>
-            </a:pPr>
-            <a:r>
-              <a:rPr lang="en-US" dirty="0">
-                <a:solidFill>
-                  <a:srgbClr val="0081E2"/>
-                </a:solidFill>
-                <a:latin typeface="Gotham Bold" pitchFamily="50" charset="0"/>
-              </a:rPr>
-              <a:t>Students who have accommodations start as early as possible</a:t>
-            </a:r>
-          </a:p>
-          <a:p>
-            <a:pPr marL="1005840" marR="0" lvl="2" indent="-365760" algn="l" defTabSz="914400" rtl="0" eaLnBrk="1" fontAlgn="auto" latinLnBrk="0" hangingPunct="1">
-              <a:lnSpc>
-                <a:spcPct val="150000"/>
-              </a:lnSpc>
-              <a:spcBef>
-                <a:spcPts val="0"/>
-              </a:spcBef>
-              <a:spcAft>
-                <a:spcPts val="0"/>
-              </a:spcAft>
-              <a:buClrTx/>
-              <a:buSzTx/>
-              <a:buFont typeface="Courier New" panose="02070309020205020404" pitchFamily="49" charset="0"/>
-              <a:buChar char="o"/>
-              <a:tabLst/>
-              <a:defRPr/>
-            </a:pPr>
-            <a:r>
-              <a:rPr kumimoji="0" lang="en-US" sz="1800" b="0" i="0" u="none" strike="noStrike" kern="1200" cap="none" spc="0" normalizeH="0" baseline="0" noProof="0" dirty="0">
-                <a:ln>
-                  <a:noFill/>
-                </a:ln>
-                <a:solidFill>
                   <a:srgbClr val="0081E2"/>
                 </a:solidFill>
                 <a:effectLst/>
@@ -16738,7 +16667,7 @@
                 </a:solidFill>
                 <a:latin typeface="Gotham Bold" pitchFamily="50" charset="0"/>
               </a:rPr>
-              <a:t>Topics: Module 1-5 (includes Heaps and Priority Queues)</a:t>
+              <a:t>Topics: Module 1-4 (includes Balanced Trees)</a:t>
             </a:r>
           </a:p>
           <a:p>
